--- a/Daily(written_in_Korean)/181116.pptx
+++ b/Daily(written_in_Korean)/181116.pptx
@@ -151,7 +151,7 @@
   </p:defaultTextStyle>
   <p:extLst>
     <p:ext uri="{EFAFB233-063F-42B5-8137-9DF3F51BA10A}">
-      <p15:sldGuideLst xmlns:p15="http://schemas.microsoft.com/office/powerpoint/2012/main" xmlns="">
+      <p15:sldGuideLst xmlns:p15="http://schemas.microsoft.com/office/powerpoint/2012/main">
         <p15:guide id="1" orient="horz" pos="2160">
           <p15:clr>
             <a:srgbClr val="A4A3A4"/>
@@ -2434,6 +2434,13 @@
         <p:txBody>
           <a:bodyPr/>
           <a:lstStyle/>
+          <a:p>
+            <a:r>
+              <a:rPr lang="ko-KR" altLang="en-US" dirty="0" smtClean="0"/>
+              <a:t>그림과 같이 두가지 경우로 나뉨</a:t>
+            </a:r>
+            <a:endParaRPr lang="en-US" altLang="ko-KR" dirty="0" smtClean="0"/>
+          </a:p>
           <a:p>
             <a:r>
               <a:rPr lang="ko-KR" altLang="en-US" dirty="0" smtClean="0"/>
@@ -7883,8 +7890,8 @@
           </a:p>
         </p:txBody>
       </p:sp>
-      <mc:AlternateContent xmlns:mc="http://schemas.openxmlformats.org/markup-compatibility/2006">
-        <mc:Choice xmlns:a14="http://schemas.microsoft.com/office/drawing/2010/main" Requires="a14">
+      <mc:AlternateContent xmlns:mc="http://schemas.openxmlformats.org/markup-compatibility/2006" xmlns:a14="http://schemas.microsoft.com/office/drawing/2010/main">
+        <mc:Choice Requires="a14">
           <p:sp>
             <p:nvSpPr>
               <p:cNvPr id="3" name="내용 개체 틀 2"/>
@@ -7979,7 +7986,7 @@
             </p:txBody>
           </p:sp>
         </mc:Choice>
-        <mc:Fallback>
+        <mc:Fallback xmlns="">
           <p:sp>
             <p:nvSpPr>
               <p:cNvPr id="3" name="내용 개체 틀 2"/>
@@ -11484,7 +11491,7 @@
                         <m:sSubPr>
                           <m:ctrlPr>
                             <a:rPr lang="ko-KR" altLang="ko-KR" i="1" kern="0">
-                              <a:latin typeface="Cambria Math"/>
+                              <a:latin typeface="Cambria Math" panose="02040503050406030204" pitchFamily="18" charset="0"/>
                             </a:rPr>
                           </m:ctrlPr>
                         </m:sSubPr>
@@ -11601,7 +11608,7 @@
                       <m:sSubPr>
                         <m:ctrlPr>
                           <a:rPr lang="ko-KR" altLang="ko-KR" sz="1200" i="1" kern="0">
-                            <a:latin typeface="Cambria Math"/>
+                            <a:latin typeface="Cambria Math" panose="02040503050406030204" pitchFamily="18" charset="0"/>
                           </a:rPr>
                         </m:ctrlPr>
                       </m:sSubPr>
@@ -11641,7 +11648,7 @@
                       <m:sSubSupPr>
                         <m:ctrlPr>
                           <a:rPr lang="ko-KR" altLang="ko-KR" sz="1200" i="1" kern="0">
-                            <a:latin typeface="Cambria Math"/>
+                            <a:latin typeface="Cambria Math" panose="02040503050406030204" pitchFamily="18" charset="0"/>
                           </a:rPr>
                         </m:ctrlPr>
                       </m:sSubSupPr>
@@ -11707,7 +11714,7 @@
                       <m:sSubSupPr>
                         <m:ctrlPr>
                           <a:rPr lang="ko-KR" altLang="ko-KR" sz="1200" i="1" kern="0">
-                            <a:latin typeface="Cambria Math"/>
+                            <a:latin typeface="Cambria Math" panose="02040503050406030204" pitchFamily="18" charset="0"/>
                           </a:rPr>
                         </m:ctrlPr>
                       </m:sSubSupPr>
@@ -11761,7 +11768,7 @@
                       <m:sSubSupPr>
                         <m:ctrlPr>
                           <a:rPr lang="ko-KR" altLang="ko-KR" sz="1200" i="1" kern="0">
-                            <a:latin typeface="Cambria Math"/>
+                            <a:latin typeface="Cambria Math" panose="02040503050406030204" pitchFamily="18" charset="0"/>
                           </a:rPr>
                         </m:ctrlPr>
                       </m:sSubSupPr>
@@ -11882,7 +11889,7 @@
                       <m:sSubPr>
                         <m:ctrlPr>
                           <a:rPr lang="ko-KR" altLang="ko-KR" sz="1200" i="1" kern="0">
-                            <a:latin typeface="Cambria Math"/>
+                            <a:latin typeface="Cambria Math" panose="02040503050406030204" pitchFamily="18" charset="0"/>
                           </a:rPr>
                         </m:ctrlPr>
                       </m:sSubPr>
@@ -11922,7 +11929,7 @@
                       <m:sSubSupPr>
                         <m:ctrlPr>
                           <a:rPr lang="ko-KR" altLang="ko-KR" sz="1200" i="1" kern="0">
-                            <a:latin typeface="Cambria Math"/>
+                            <a:latin typeface="Cambria Math" panose="02040503050406030204" pitchFamily="18" charset="0"/>
                           </a:rPr>
                         </m:ctrlPr>
                       </m:sSubSupPr>
@@ -11976,7 +11983,7 @@
                       <m:sSubSupPr>
                         <m:ctrlPr>
                           <a:rPr lang="ko-KR" altLang="ko-KR" sz="1200" i="1" kern="0">
-                            <a:latin typeface="Cambria Math"/>
+                            <a:latin typeface="Cambria Math" panose="02040503050406030204" pitchFamily="18" charset="0"/>
                           </a:rPr>
                         </m:ctrlPr>
                       </m:sSubSupPr>
@@ -12041,7 +12048,7 @@
                       <m:sSubSupPr>
                         <m:ctrlPr>
                           <a:rPr lang="ko-KR" altLang="ko-KR" sz="1200" i="1" kern="0">
-                            <a:latin typeface="Cambria Math"/>
+                            <a:latin typeface="Cambria Math" panose="02040503050406030204" pitchFamily="18" charset="0"/>
                           </a:rPr>
                         </m:ctrlPr>
                       </m:sSubSupPr>
@@ -12227,7 +12234,7 @@
                         <m:sSubSupPr>
                           <m:ctrlPr>
                             <a:rPr lang="ko-KR" altLang="ko-KR" sz="2000" i="1" kern="0" smtClean="0">
-                              <a:latin typeface="Cambria Math"/>
+                              <a:latin typeface="Cambria Math" panose="02040503050406030204" pitchFamily="18" charset="0"/>
                             </a:rPr>
                           </m:ctrlPr>
                         </m:sSubSupPr>
@@ -12364,7 +12371,7 @@
                         <m:sSubSupPr>
                           <m:ctrlPr>
                             <a:rPr lang="ko-KR" altLang="ko-KR" sz="2000" i="1" kern="0" smtClean="0">
-                              <a:latin typeface="Cambria Math"/>
+                              <a:latin typeface="Cambria Math" panose="02040503050406030204" pitchFamily="18" charset="0"/>
                             </a:rPr>
                           </m:ctrlPr>
                         </m:sSubSupPr>
@@ -12645,7 +12652,7 @@
                         <m:sSubPr>
                           <m:ctrlPr>
                             <a:rPr lang="ko-KR" altLang="ko-KR" i="1" kern="0">
-                              <a:latin typeface="Cambria Math"/>
+                              <a:latin typeface="Cambria Math" panose="02040503050406030204" pitchFamily="18" charset="0"/>
                             </a:rPr>
                           </m:ctrlPr>
                         </m:sSubPr>
@@ -13042,7 +13049,7 @@
                         <m:sSubSupPr>
                           <m:ctrlPr>
                             <a:rPr lang="ko-KR" altLang="ko-KR" sz="1200" i="1" kern="0">
-                              <a:latin typeface="Cambria Math"/>
+                              <a:latin typeface="Cambria Math" panose="02040503050406030204" pitchFamily="18" charset="0"/>
                             </a:rPr>
                           </m:ctrlPr>
                         </m:sSubSupPr>
@@ -13093,7 +13100,7 @@
                         <m:fPr>
                           <m:ctrlPr>
                             <a:rPr lang="en-US" altLang="ko-KR" sz="1200" i="1" kern="0">
-                              <a:latin typeface="Cambria Math"/>
+                              <a:latin typeface="Cambria Math" panose="02040503050406030204" pitchFamily="18" charset="0"/>
                             </a:rPr>
                           </m:ctrlPr>
                         </m:fPr>
@@ -13102,7 +13109,7 @@
                             <m:sSubSupPr>
                               <m:ctrlPr>
                                 <a:rPr lang="ko-KR" altLang="ko-KR" sz="1200" i="1" kern="0">
-                                  <a:latin typeface="Cambria Math"/>
+                                  <a:latin typeface="Cambria Math" panose="02040503050406030204" pitchFamily="18" charset="0"/>
                                 </a:rPr>
                               </m:ctrlPr>
                             </m:sSubSupPr>
@@ -13141,7 +13148,7 @@
                             <m:sSubSupPr>
                               <m:ctrlPr>
                                 <a:rPr lang="ko-KR" altLang="ko-KR" sz="1200" i="1" kern="0">
-                                  <a:latin typeface="Cambria Math"/>
+                                  <a:latin typeface="Cambria Math" panose="02040503050406030204" pitchFamily="18" charset="0"/>
                                 </a:rPr>
                               </m:ctrlPr>
                             </m:sSubSupPr>
@@ -13185,7 +13192,7 @@
                             <m:dPr>
                               <m:ctrlPr>
                                 <a:rPr lang="ko-KR" altLang="ko-KR" sz="1200" i="1" kern="0">
-                                  <a:latin typeface="Cambria Math"/>
+                                  <a:latin typeface="Cambria Math" panose="02040503050406030204" pitchFamily="18" charset="0"/>
                                 </a:rPr>
                               </m:ctrlPr>
                             </m:dPr>
@@ -13194,7 +13201,7 @@
                                 <m:sSubPr>
                                   <m:ctrlPr>
                                     <a:rPr lang="ko-KR" altLang="ko-KR" sz="1200" i="1" kern="0">
-                                      <a:latin typeface="Cambria Math"/>
+                                      <a:latin typeface="Cambria Math" panose="02040503050406030204" pitchFamily="18" charset="0"/>
                                     </a:rPr>
                                   </m:ctrlPr>
                                 </m:sSubPr>
@@ -13264,7 +13271,7 @@
                           <m:chr m:val="∑"/>
                           <m:ctrlPr>
                             <a:rPr lang="ko-KR" altLang="ko-KR" sz="1200" i="1" kern="0">
-                              <a:latin typeface="Cambria Math"/>
+                              <a:latin typeface="Cambria Math" panose="02040503050406030204" pitchFamily="18" charset="0"/>
                             </a:rPr>
                           </m:ctrlPr>
                         </m:naryPr>
@@ -13307,7 +13314,7 @@
                             <m:sSubPr>
                               <m:ctrlPr>
                                 <a:rPr lang="ko-KR" altLang="ko-KR" sz="1200" i="1" kern="0">
-                                  <a:latin typeface="Cambria Math"/>
+                                  <a:latin typeface="Cambria Math" panose="02040503050406030204" pitchFamily="18" charset="0"/>
                                 </a:rPr>
                               </m:ctrlPr>
                             </m:sSubPr>
@@ -13350,7 +13357,7 @@
                             <m:sSubSupPr>
                               <m:ctrlPr>
                                 <a:rPr lang="ko-KR" altLang="ko-KR" sz="1200" i="1" kern="0">
-                                  <a:latin typeface="Cambria Math"/>
+                                  <a:latin typeface="Cambria Math" panose="02040503050406030204" pitchFamily="18" charset="0"/>
                                 </a:rPr>
                               </m:ctrlPr>
                             </m:sSubSupPr>
@@ -13401,7 +13408,7 @@
                             <m:sSubPr>
                               <m:ctrlPr>
                                 <a:rPr lang="ko-KR" altLang="ko-KR" sz="1200" i="1" kern="0">
-                                  <a:latin typeface="Cambria Math"/>
+                                  <a:latin typeface="Cambria Math" panose="02040503050406030204" pitchFamily="18" charset="0"/>
                                 </a:rPr>
                               </m:ctrlPr>
                             </m:sSubPr>
@@ -13671,8 +13678,8 @@
           </a:p>
         </p:txBody>
       </p:sp>
-      <mc:AlternateContent xmlns:mc="http://schemas.openxmlformats.org/markup-compatibility/2006" xmlns:a14="http://schemas.microsoft.com/office/drawing/2010/main">
-        <mc:Choice Requires="a14">
+      <mc:AlternateContent xmlns:mc="http://schemas.openxmlformats.org/markup-compatibility/2006">
+        <mc:Choice xmlns:a14="http://schemas.microsoft.com/office/drawing/2010/main" Requires="a14">
           <p:sp>
             <p:nvSpPr>
               <p:cNvPr id="3" name="내용 개체 틀 2"/>
@@ -13821,7 +13828,7 @@
                       <m:sSubSupPr>
                         <m:ctrlPr>
                           <a:rPr lang="ko-KR" altLang="ko-KR" i="1" smtClean="0">
-                            <a:latin typeface="Cambria Math"/>
+                            <a:latin typeface="Cambria Math" panose="02040503050406030204" pitchFamily="18" charset="0"/>
                           </a:rPr>
                         </m:ctrlPr>
                       </m:sSubSupPr>
@@ -13885,7 +13892,7 @@
                       <m:fPr>
                         <m:ctrlPr>
                           <a:rPr lang="en-US" altLang="ko-KR" i="1">
-                            <a:latin typeface="Cambria Math"/>
+                            <a:latin typeface="Cambria Math" panose="02040503050406030204" pitchFamily="18" charset="0"/>
                           </a:rPr>
                         </m:ctrlPr>
                       </m:fPr>
@@ -13894,7 +13901,7 @@
                           <m:sSubSupPr>
                             <m:ctrlPr>
                               <a:rPr lang="ko-KR" altLang="ko-KR" i="1">
-                                <a:latin typeface="Cambria Math"/>
+                                <a:latin typeface="Cambria Math" panose="02040503050406030204" pitchFamily="18" charset="0"/>
                               </a:rPr>
                             </m:ctrlPr>
                           </m:sSubSupPr>
@@ -13932,7 +13939,7 @@
                           <m:sSubPr>
                             <m:ctrlPr>
                               <a:rPr lang="ko-KR" altLang="ko-KR" i="1">
-                                <a:latin typeface="Cambria Math"/>
+                                <a:latin typeface="Cambria Math" panose="02040503050406030204" pitchFamily="18" charset="0"/>
                               </a:rPr>
                             </m:ctrlPr>
                           </m:sSubPr>
@@ -13967,230 +13974,10 @@
                         </m:sSub>
                       </m:den>
                     </m:f>
-                    <m:r>
-                      <a:rPr lang="en-US" altLang="ko-KR" b="0" i="1" smtClean="0">
-                        <a:latin typeface="Cambria Math" panose="02040503050406030204" pitchFamily="18" charset="0"/>
-                      </a:rPr>
-                      <m:t>(</m:t>
-                    </m:r>
-                    <m:r>
-                      <a:rPr lang="en-US" altLang="ko-KR" b="0" i="1" smtClean="0">
-                        <a:latin typeface="Cambria Math" panose="02040503050406030204" pitchFamily="18" charset="0"/>
-                      </a:rPr>
-                      <m:t>𝑓𝑟𝑜𝑚</m:t>
-                    </m:r>
-                    <m:r>
-                      <a:rPr lang="en-US" altLang="ko-KR" b="0" i="1" smtClean="0">
-                        <a:latin typeface="Cambria Math" panose="02040503050406030204" pitchFamily="18" charset="0"/>
-                      </a:rPr>
-                      <m:t>:</m:t>
-                    </m:r>
-                    <m:sSubSup>
-                      <m:sSubSupPr>
-                        <m:ctrlPr>
-                          <a:rPr lang="ko-KR" altLang="ko-KR" i="1">
-                            <a:latin typeface="Cambria Math"/>
-                          </a:rPr>
-                        </m:ctrlPr>
-                      </m:sSubSupPr>
-                      <m:e>
-                        <m:r>
-                          <a:rPr lang="en-US" altLang="ko-KR">
-                            <a:latin typeface="Cambria Math" panose="02040503050406030204" pitchFamily="18" charset="0"/>
-                          </a:rPr>
-                          <m:t>𝑡</m:t>
-                        </m:r>
-                      </m:e>
-                      <m:sub>
-                        <m:r>
-                          <a:rPr lang="en-US" altLang="ko-KR">
-                            <a:latin typeface="Cambria Math" panose="02040503050406030204" pitchFamily="18" charset="0"/>
-                          </a:rPr>
-                          <m:t>𝑖</m:t>
-                        </m:r>
-                        <m:r>
-                          <a:rPr lang="en-US" altLang="ko-KR">
-                            <a:latin typeface="Cambria Math" panose="02040503050406030204" pitchFamily="18" charset="0"/>
-                          </a:rPr>
-                          <m:t>,</m:t>
-                        </m:r>
-                        <m:r>
-                          <a:rPr lang="en-US" altLang="ko-KR">
-                            <a:latin typeface="Cambria Math" panose="02040503050406030204" pitchFamily="18" charset="0"/>
-                          </a:rPr>
-                          <m:t>𝑗</m:t>
-                        </m:r>
-                      </m:sub>
-                      <m:sup>
-                        <m:r>
-                          <a:rPr lang="en-US" altLang="ko-KR">
-                            <a:latin typeface="Cambria Math" panose="02040503050406030204" pitchFamily="18" charset="0"/>
-                          </a:rPr>
-                          <m:t>𝑠𝑙𝑜𝑡</m:t>
-                        </m:r>
-                      </m:sup>
-                    </m:sSubSup>
-                    <m:r>
-                      <a:rPr lang="en-US" altLang="ko-KR" i="1">
-                        <a:latin typeface="Cambria Math" panose="02040503050406030204" pitchFamily="18" charset="0"/>
-                      </a:rPr>
-                      <m:t>=</m:t>
-                    </m:r>
-                    <m:f>
-                      <m:fPr>
-                        <m:ctrlPr>
-                          <a:rPr lang="en-US" altLang="ko-KR" i="1">
-                            <a:latin typeface="Cambria Math"/>
-                          </a:rPr>
-                        </m:ctrlPr>
-                      </m:fPr>
-                      <m:num>
-                        <m:sSubSup>
-                          <m:sSubSupPr>
-                            <m:ctrlPr>
-                              <a:rPr lang="ko-KR" altLang="ko-KR" i="1">
-                                <a:latin typeface="Cambria Math"/>
-                              </a:rPr>
-                            </m:ctrlPr>
-                          </m:sSubSupPr>
-                          <m:e>
-                            <m:r>
-                              <a:rPr lang="en-US" altLang="ko-KR">
-                                <a:latin typeface="Cambria Math" panose="02040503050406030204" pitchFamily="18" charset="0"/>
-                              </a:rPr>
-                              <m:t>𝑇</m:t>
-                            </m:r>
-                          </m:e>
-                          <m:sub>
-                            <m:r>
-                              <a:rPr lang="en-US" altLang="ko-KR">
-                                <a:latin typeface="Cambria Math" panose="02040503050406030204" pitchFamily="18" charset="0"/>
-                              </a:rPr>
-                              <m:t>𝑖</m:t>
-                            </m:r>
-                          </m:sub>
-                          <m:sup>
-                            <m:r>
-                              <a:rPr lang="en-US" altLang="ko-KR">
-                                <a:latin typeface="Cambria Math" panose="02040503050406030204" pitchFamily="18" charset="0"/>
-                              </a:rPr>
-                              <m:t>𝑟𝑒𝑞</m:t>
-                            </m:r>
-                          </m:sup>
-                        </m:sSubSup>
-                        <m:r>
-                          <a:rPr lang="en-US" altLang="ko-KR">
-                            <a:latin typeface="Cambria Math" panose="02040503050406030204" pitchFamily="18" charset="0"/>
-                          </a:rPr>
-                          <m:t>∙</m:t>
-                        </m:r>
-                        <m:sSubSup>
-                          <m:sSubSupPr>
-                            <m:ctrlPr>
-                              <a:rPr lang="ko-KR" altLang="ko-KR" i="1">
-                                <a:latin typeface="Cambria Math"/>
-                              </a:rPr>
-                            </m:ctrlPr>
-                          </m:sSubSupPr>
-                          <m:e>
-                            <m:r>
-                              <a:rPr lang="en-US" altLang="ko-KR">
-                                <a:latin typeface="Cambria Math" panose="02040503050406030204" pitchFamily="18" charset="0"/>
-                              </a:rPr>
-                              <m:t>𝑟</m:t>
-                            </m:r>
-                          </m:e>
-                          <m:sub>
-                            <m:r>
-                              <a:rPr lang="en-US" altLang="ko-KR">
-                                <a:latin typeface="Cambria Math" panose="02040503050406030204" pitchFamily="18" charset="0"/>
-                              </a:rPr>
-                              <m:t>𝑖</m:t>
-                            </m:r>
-                          </m:sub>
-                          <m:sup>
-                            <m:r>
-                              <m:rPr>
-                                <m:sty m:val="p"/>
-                              </m:rPr>
-                              <a:rPr lang="en-US" altLang="ko-KR">
-                                <a:latin typeface="Cambria Math" panose="02040503050406030204" pitchFamily="18" charset="0"/>
-                              </a:rPr>
-                              <m:t>req</m:t>
-                            </m:r>
-                          </m:sup>
-                        </m:sSubSup>
-                      </m:num>
-                      <m:den>
-                        <m:r>
-                          <a:rPr lang="en-US" altLang="ko-KR">
-                            <a:latin typeface="Cambria Math" panose="02040503050406030204" pitchFamily="18" charset="0"/>
-                          </a:rPr>
-                          <m:t>𝑏𝑤</m:t>
-                        </m:r>
-                        <m:d>
-                          <m:dPr>
-                            <m:ctrlPr>
-                              <a:rPr lang="ko-KR" altLang="ko-KR" i="1">
-                                <a:latin typeface="Cambria Math"/>
-                              </a:rPr>
-                            </m:ctrlPr>
-                          </m:dPr>
-                          <m:e>
-                            <m:sSub>
-                              <m:sSubPr>
-                                <m:ctrlPr>
-                                  <a:rPr lang="ko-KR" altLang="ko-KR" i="1">
-                                    <a:latin typeface="Cambria Math"/>
-                                  </a:rPr>
-                                </m:ctrlPr>
-                              </m:sSubPr>
-                              <m:e>
-                                <m:r>
-                                  <a:rPr lang="en-US" altLang="ko-KR">
-                                    <a:latin typeface="Cambria Math" panose="02040503050406030204" pitchFamily="18" charset="0"/>
-                                  </a:rPr>
-                                  <m:t>𝑅𝑆𝑆𝐼</m:t>
-                                </m:r>
-                              </m:e>
-                              <m:sub>
-                                <m:r>
-                                  <a:rPr lang="en-US" altLang="ko-KR">
-                                    <a:latin typeface="Cambria Math" panose="02040503050406030204" pitchFamily="18" charset="0"/>
-                                  </a:rPr>
-                                  <m:t>𝑖</m:t>
-                                </m:r>
-                                <m:r>
-                                  <a:rPr lang="en-US" altLang="ko-KR">
-                                    <a:latin typeface="Cambria Math" panose="02040503050406030204" pitchFamily="18" charset="0"/>
-                                  </a:rPr>
-                                  <m:t>,</m:t>
-                                </m:r>
-                                <m:r>
-                                  <a:rPr lang="en-US" altLang="ko-KR">
-                                    <a:latin typeface="Cambria Math" panose="02040503050406030204" pitchFamily="18" charset="0"/>
-                                  </a:rPr>
-                                  <m:t>𝑗</m:t>
-                                </m:r>
-                              </m:sub>
-                            </m:sSub>
-                          </m:e>
-                        </m:d>
-                      </m:den>
-                    </m:f>
-                    <m:r>
-                      <a:rPr lang="en-US" altLang="ko-KR" b="0" i="1" smtClean="0">
-                        <a:latin typeface="Cambria Math" panose="02040503050406030204" pitchFamily="18" charset="0"/>
-                      </a:rPr>
-                      <m:t>)</m:t>
-                    </m:r>
                   </m:oMath>
                 </a14:m>
-                <a:endParaRPr lang="en-US" altLang="ko-KR" dirty="0" smtClean="0">
-                  <a:solidFill>
-                    <a:srgbClr val="000000"/>
-                  </a:solidFill>
-                  <a:cs typeface="Tahoma" panose="020B0604030504040204" pitchFamily="34" charset="0"/>
+                <a:endParaRPr lang="en-US" altLang="ko-KR" i="1" dirty="0" smtClean="0">
+                  <a:latin typeface="Cambria Math" panose="02040503050406030204" pitchFamily="18" charset="0"/>
                 </a:endParaRPr>
               </a:p>
               <a:p>
@@ -14201,7 +13988,7 @@
                       <m:sSubPr>
                         <m:ctrlPr>
                           <a:rPr lang="ko-KR" altLang="ko-KR" i="1">
-                            <a:latin typeface="Cambria Math"/>
+                            <a:latin typeface="Cambria Math" panose="02040503050406030204" pitchFamily="18" charset="0"/>
                           </a:rPr>
                         </m:ctrlPr>
                       </m:sSubPr>
@@ -14292,7 +14079,7 @@
             </p:txBody>
           </p:sp>
         </mc:Choice>
-        <mc:Fallback xmlns="">
+        <mc:Fallback>
           <p:sp>
             <p:nvSpPr>
               <p:cNvPr id="3" name="내용 개체 틀 2"/>
@@ -16531,7 +16318,7 @@
       </p:sp>
       <p:pic>
         <p:nvPicPr>
-          <p:cNvPr id="7" name="그림 6"/>
+          <p:cNvPr id="9" name="그림 8"/>
           <p:cNvPicPr>
             <a:picLocks noChangeAspect="1"/>
           </p:cNvPicPr>
@@ -16545,8 +16332,32 @@
         </p:blipFill>
         <p:spPr>
           <a:xfrm>
-            <a:off x="35496" y="1556792"/>
-            <a:ext cx="4680520" cy="1603170"/>
+            <a:off x="1259632" y="4437112"/>
+            <a:ext cx="4343400" cy="1638300"/>
+          </a:xfrm>
+          <a:prstGeom prst="rect">
+            <a:avLst/>
+          </a:prstGeom>
+        </p:spPr>
+      </p:pic>
+      <p:pic>
+        <p:nvPicPr>
+          <p:cNvPr id="5" name="그림 4"/>
+          <p:cNvPicPr>
+            <a:picLocks noChangeAspect="1"/>
+          </p:cNvPicPr>
+          <p:nvPr/>
+        </p:nvPicPr>
+        <p:blipFill>
+          <a:blip r:embed="rId4"/>
+          <a:stretch>
+            <a:fillRect/>
+          </a:stretch>
+        </p:blipFill>
+        <p:spPr>
+          <a:xfrm>
+            <a:off x="28256" y="1562516"/>
+            <a:ext cx="4759768" cy="1856752"/>
           </a:xfrm>
           <a:prstGeom prst="rect">
             <a:avLst/>
@@ -16562,7 +16373,7 @@
           <p:nvPr/>
         </p:nvPicPr>
         <p:blipFill>
-          <a:blip r:embed="rId4"/>
+          <a:blip r:embed="rId5"/>
           <a:stretch>
             <a:fillRect/>
           </a:stretch>
@@ -16571,30 +16382,6 @@
           <a:xfrm>
             <a:off x="4716905" y="1571038"/>
             <a:ext cx="4520771" cy="1569145"/>
-          </a:xfrm>
-          <a:prstGeom prst="rect">
-            <a:avLst/>
-          </a:prstGeom>
-        </p:spPr>
-      </p:pic>
-      <p:pic>
-        <p:nvPicPr>
-          <p:cNvPr id="9" name="그림 8"/>
-          <p:cNvPicPr>
-            <a:picLocks noChangeAspect="1"/>
-          </p:cNvPicPr>
-          <p:nvPr/>
-        </p:nvPicPr>
-        <p:blipFill>
-          <a:blip r:embed="rId5"/>
-          <a:stretch>
-            <a:fillRect/>
-          </a:stretch>
-        </p:blipFill>
-        <p:spPr>
-          <a:xfrm>
-            <a:off x="1259632" y="4437112"/>
-            <a:ext cx="4343400" cy="1638300"/>
           </a:xfrm>
           <a:prstGeom prst="rect">
             <a:avLst/>
@@ -16747,7 +16534,7 @@
                             <a:solidFill>
                               <a:srgbClr val="000000"/>
                             </a:solidFill>
-                            <a:latin typeface="Cambria Math"/>
+                            <a:latin typeface="Cambria Math" panose="02040503050406030204" pitchFamily="18" charset="0"/>
                             <a:cs typeface="Tahoma" panose="020B0604030504040204" pitchFamily="34" charset="0"/>
                           </a:rPr>
                         </m:ctrlPr>
@@ -16927,7 +16714,7 @@
                             <a:solidFill>
                               <a:srgbClr val="FF0000"/>
                             </a:solidFill>
-                            <a:latin typeface="Cambria Math"/>
+                            <a:latin typeface="Cambria Math" panose="02040503050406030204" pitchFamily="18" charset="0"/>
                             <a:cs typeface="Tahoma" panose="020B0604030504040204" pitchFamily="34" charset="0"/>
                           </a:rPr>
                         </m:ctrlPr>
@@ -16988,7 +16775,7 @@
                             <a:solidFill>
                               <a:srgbClr val="000000"/>
                             </a:solidFill>
-                            <a:latin typeface="Cambria Math"/>
+                            <a:latin typeface="Cambria Math" panose="02040503050406030204" pitchFamily="18" charset="0"/>
                             <a:cs typeface="Tahoma" panose="020B0604030504040204" pitchFamily="34" charset="0"/>
                           </a:rPr>
                         </m:ctrlPr>
@@ -17039,7 +16826,7 @@
                                 <a:solidFill>
                                   <a:srgbClr val="000000"/>
                                 </a:solidFill>
-                                <a:latin typeface="Cambria Math"/>
+                                <a:latin typeface="Cambria Math" panose="02040503050406030204" pitchFamily="18" charset="0"/>
                                 <a:cs typeface="Tahoma" panose="020B0604030504040204" pitchFamily="34" charset="0"/>
                               </a:rPr>
                             </m:ctrlPr>
@@ -17052,7 +16839,7 @@
                                     <a:solidFill>
                                       <a:srgbClr val="000000"/>
                                     </a:solidFill>
-                                    <a:latin typeface="Cambria Math"/>
+                                    <a:latin typeface="Cambria Math" panose="02040503050406030204" pitchFamily="18" charset="0"/>
                                     <a:cs typeface="Tahoma" panose="020B0604030504040204" pitchFamily="34" charset="0"/>
                                   </a:rPr>
                                 </m:ctrlPr>
@@ -17111,7 +16898,7 @@
                                     <a:solidFill>
                                       <a:srgbClr val="000000"/>
                                     </a:solidFill>
-                                    <a:latin typeface="Cambria Math"/>
+                                    <a:latin typeface="Cambria Math" panose="02040503050406030204" pitchFamily="18" charset="0"/>
                                     <a:cs typeface="Tahoma" panose="020B0604030504040204" pitchFamily="34" charset="0"/>
                                   </a:rPr>
                                 </m:ctrlPr>
@@ -17150,7 +16937,7 @@
                                     <a:solidFill>
                                       <a:srgbClr val="000000"/>
                                     </a:solidFill>
-                                    <a:latin typeface="Cambria Math"/>
+                                    <a:latin typeface="Cambria Math" panose="02040503050406030204" pitchFamily="18" charset="0"/>
                                     <a:cs typeface="Tahoma" panose="020B0604030504040204" pitchFamily="34" charset="0"/>
                                   </a:rPr>
                                 </m:ctrlPr>
@@ -17232,8 +17019,86 @@
                     </a:solidFill>
                     <a:cs typeface="Tahoma" panose="020B0604030504040204" pitchFamily="34" charset="0"/>
                   </a:rPr>
-                  <a:t>is associated with the concept of proportional fairness</a:t>
+                  <a:t>is associated with the concept of proportional </a:t>
                 </a:r>
+                <a:r>
+                  <a:rPr lang="en-US" altLang="ko-KR" dirty="0" smtClean="0">
+                    <a:solidFill>
+                      <a:srgbClr val="000000"/>
+                    </a:solidFill>
+                    <a:cs typeface="Tahoma" panose="020B0604030504040204" pitchFamily="34" charset="0"/>
+                  </a:rPr>
+                  <a:t>fairness</a:t>
+                </a:r>
+              </a:p>
+              <a:p>
+                <a:pPr lvl="1"/>
+                <a:endParaRPr lang="en-US" altLang="ko-KR" dirty="0">
+                  <a:solidFill>
+                    <a:srgbClr val="000000"/>
+                  </a:solidFill>
+                  <a:cs typeface="Tahoma" panose="020B0604030504040204" pitchFamily="34" charset="0"/>
+                </a:endParaRPr>
+              </a:p>
+              <a:p>
+                <a:pPr lvl="1"/>
+                <a:r>
+                  <a:rPr lang="en-US" altLang="ko-KR" dirty="0"/>
+                  <a:t>Using SSIM, like </a:t>
+                </a:r>
+                <a14:m>
+                  <m:oMath xmlns:m="http://schemas.openxmlformats.org/officeDocument/2006/math">
+                    <m:r>
+                      <a:rPr lang="ko-KR" altLang="en-US" i="1">
+                        <a:latin typeface="Cambria Math"/>
+                      </a:rPr>
+                      <m:t>𝛼</m:t>
+                    </m:r>
+                    <m:r>
+                      <m:rPr>
+                        <m:sty m:val="p"/>
+                      </m:rPr>
+                      <a:rPr lang="en-US" altLang="ko-KR">
+                        <a:latin typeface="Cambria Math"/>
+                      </a:rPr>
+                      <m:t>log</m:t>
+                    </m:r>
+                    <m:r>
+                      <a:rPr lang="en-US" altLang="ko-KR" i="1">
+                        <a:latin typeface="Cambria Math"/>
+                      </a:rPr>
+                      <m:t>⁡(1+</m:t>
+                    </m:r>
+                    <m:r>
+                      <a:rPr lang="ko-KR" altLang="en-US" i="1">
+                        <a:latin typeface="Cambria Math"/>
+                      </a:rPr>
+                      <m:t>𝛽</m:t>
+                    </m:r>
+                    <m:r>
+                      <a:rPr lang="en-US" altLang="ko-KR" i="1">
+                        <a:latin typeface="Cambria Math"/>
+                      </a:rPr>
+                      <m:t>𝑥</m:t>
+                    </m:r>
+                    <m:r>
+                      <a:rPr lang="en-US" altLang="ko-KR" i="1">
+                        <a:latin typeface="Cambria Math"/>
+                      </a:rPr>
+                      <m:t>)</m:t>
+                    </m:r>
+                  </m:oMath>
+                </a14:m>
+                <a:endParaRPr lang="en-US" altLang="ko-KR" dirty="0"/>
+              </a:p>
+              <a:p>
+                <a:pPr lvl="1"/>
+                <a:endParaRPr lang="en-US" altLang="ko-KR" dirty="0">
+                  <a:solidFill>
+                    <a:srgbClr val="000000"/>
+                  </a:solidFill>
+                  <a:cs typeface="Tahoma" panose="020B0604030504040204" pitchFamily="34" charset="0"/>
+                </a:endParaRPr>
               </a:p>
               <a:p>
                 <a:pPr lvl="1"/>
@@ -17411,7 +17276,7 @@
                             <a:solidFill>
                               <a:srgbClr val="000000"/>
                             </a:solidFill>
-                            <a:latin typeface="Cambria Math"/>
+                            <a:latin typeface="Cambria Math" panose="02040503050406030204" pitchFamily="18" charset="0"/>
                             <a:cs typeface="Tahoma" panose="020B0604030504040204" pitchFamily="34" charset="0"/>
                           </a:rPr>
                         </m:ctrlPr>
@@ -17507,7 +17372,7 @@
                             <a:solidFill>
                               <a:srgbClr val="000000"/>
                             </a:solidFill>
-                            <a:latin typeface="Cambria Math"/>
+                            <a:latin typeface="Cambria Math" panose="02040503050406030204" pitchFamily="18" charset="0"/>
                             <a:cs typeface="Tahoma" panose="020B0604030504040204" pitchFamily="34" charset="0"/>
                           </a:rPr>
                         </m:ctrlPr>
@@ -17566,7 +17431,7 @@
                             <a:solidFill>
                               <a:srgbClr val="000000"/>
                             </a:solidFill>
-                            <a:latin typeface="Cambria Math"/>
+                            <a:latin typeface="Cambria Math" panose="02040503050406030204" pitchFamily="18" charset="0"/>
                             <a:cs typeface="Tahoma" panose="020B0604030504040204" pitchFamily="34" charset="0"/>
                           </a:rPr>
                         </m:ctrlPr>
@@ -17696,7 +17561,7 @@
                             <a:solidFill>
                               <a:srgbClr val="000000"/>
                             </a:solidFill>
-                            <a:latin typeface="Cambria Math"/>
+                            <a:latin typeface="Cambria Math" panose="02040503050406030204" pitchFamily="18" charset="0"/>
                             <a:cs typeface="Tahoma" panose="020B0604030504040204" pitchFamily="34" charset="0"/>
                           </a:rPr>
                         </m:ctrlPr>
@@ -17744,7 +17609,7 @@
                                 <a:solidFill>
                                   <a:srgbClr val="000000"/>
                                 </a:solidFill>
-                                <a:latin typeface="Cambria Math"/>
+                                <a:latin typeface="Cambria Math" panose="02040503050406030204" pitchFamily="18" charset="0"/>
                                 <a:cs typeface="Tahoma" panose="020B0604030504040204" pitchFamily="34" charset="0"/>
                               </a:rPr>
                             </m:ctrlPr>
@@ -17791,7 +17656,7 @@
                                 <a:solidFill>
                                   <a:srgbClr val="000000"/>
                                 </a:solidFill>
-                                <a:latin typeface="Cambria Math"/>
+                                <a:latin typeface="Cambria Math" panose="02040503050406030204" pitchFamily="18" charset="0"/>
                                 <a:cs typeface="Tahoma" panose="020B0604030504040204" pitchFamily="34" charset="0"/>
                               </a:rPr>
                             </m:ctrlPr>
@@ -17878,7 +17743,7 @@
                             <a:solidFill>
                               <a:srgbClr val="000000"/>
                             </a:solidFill>
-                            <a:latin typeface="Cambria Math"/>
+                            <a:latin typeface="Cambria Math" panose="02040503050406030204" pitchFamily="18" charset="0"/>
                             <a:cs typeface="Tahoma" panose="020B0604030504040204" pitchFamily="34" charset="0"/>
                           </a:rPr>
                         </m:ctrlPr>
@@ -17891,7 +17756,7 @@
                                 <a:solidFill>
                                   <a:srgbClr val="000000"/>
                                 </a:solidFill>
-                                <a:latin typeface="Cambria Math"/>
+                                <a:latin typeface="Cambria Math" panose="02040503050406030204" pitchFamily="18" charset="0"/>
                                 <a:cs typeface="Tahoma" panose="020B0604030504040204" pitchFamily="34" charset="0"/>
                               </a:rPr>
                             </m:ctrlPr>
@@ -17974,7 +17839,7 @@
                             <a:solidFill>
                               <a:srgbClr val="000000"/>
                             </a:solidFill>
-                            <a:latin typeface="Cambria Math"/>
+                            <a:latin typeface="Cambria Math" panose="02040503050406030204" pitchFamily="18" charset="0"/>
                             <a:cs typeface="Tahoma" panose="020B0604030504040204" pitchFamily="34" charset="0"/>
                           </a:rPr>
                         </m:ctrlPr>
@@ -17987,7 +17852,7 @@
                                 <a:solidFill>
                                   <a:srgbClr val="000000"/>
                                 </a:solidFill>
-                                <a:latin typeface="Cambria Math"/>
+                                <a:latin typeface="Cambria Math" panose="02040503050406030204" pitchFamily="18" charset="0"/>
                                 <a:cs typeface="Tahoma" panose="020B0604030504040204" pitchFamily="34" charset="0"/>
                               </a:rPr>
                             </m:ctrlPr>
@@ -18036,7 +17901,7 @@
                             <a:solidFill>
                               <a:srgbClr val="000000"/>
                             </a:solidFill>
-                            <a:latin typeface="Cambria Math"/>
+                            <a:latin typeface="Cambria Math" panose="02040503050406030204" pitchFamily="18" charset="0"/>
                             <a:cs typeface="Tahoma" panose="020B0604030504040204" pitchFamily="34" charset="0"/>
                           </a:rPr>
                         </m:ctrlPr>
@@ -18059,7 +17924,7 @@
                                 <a:solidFill>
                                   <a:srgbClr val="000000"/>
                                 </a:solidFill>
-                                <a:latin typeface="Cambria Math"/>
+                                <a:latin typeface="Cambria Math" panose="02040503050406030204" pitchFamily="18" charset="0"/>
                                 <a:cs typeface="Tahoma" panose="020B0604030504040204" pitchFamily="34" charset="0"/>
                               </a:rPr>
                             </m:ctrlPr>
@@ -18072,7 +17937,7 @@
                                     <a:solidFill>
                                       <a:srgbClr val="000000"/>
                                     </a:solidFill>
-                                    <a:latin typeface="Cambria Math"/>
+                                    <a:latin typeface="Cambria Math" panose="02040503050406030204" pitchFamily="18" charset="0"/>
                                     <a:cs typeface="Tahoma" panose="020B0604030504040204" pitchFamily="34" charset="0"/>
                                   </a:rPr>
                                 </m:ctrlPr>
@@ -18155,7 +18020,7 @@
                                 <a:solidFill>
                                   <a:srgbClr val="000000"/>
                                 </a:solidFill>
-                                <a:latin typeface="Cambria Math"/>
+                                <a:latin typeface="Cambria Math" panose="02040503050406030204" pitchFamily="18" charset="0"/>
                                 <a:cs typeface="Tahoma" panose="020B0604030504040204" pitchFamily="34" charset="0"/>
                               </a:rPr>
                             </m:ctrlPr>
@@ -18168,7 +18033,7 @@
                                     <a:solidFill>
                                       <a:srgbClr val="000000"/>
                                     </a:solidFill>
-                                    <a:latin typeface="Cambria Math"/>
+                                    <a:latin typeface="Cambria Math" panose="02040503050406030204" pitchFamily="18" charset="0"/>
                                     <a:cs typeface="Tahoma" panose="020B0604030504040204" pitchFamily="34" charset="0"/>
                                   </a:rPr>
                                 </m:ctrlPr>
@@ -18257,7 +18122,7 @@
                             <a:solidFill>
                               <a:srgbClr val="000000"/>
                             </a:solidFill>
-                            <a:latin typeface="Cambria Math"/>
+                            <a:latin typeface="Cambria Math" panose="02040503050406030204" pitchFamily="18" charset="0"/>
                             <a:cs typeface="Tahoma" panose="020B0604030504040204" pitchFamily="34" charset="0"/>
                           </a:rPr>
                         </m:ctrlPr>
@@ -18304,7 +18169,7 @@
                             <a:solidFill>
                               <a:srgbClr val="000000"/>
                             </a:solidFill>
-                            <a:latin typeface="Cambria Math"/>
+                            <a:latin typeface="Cambria Math" panose="02040503050406030204" pitchFamily="18" charset="0"/>
                             <a:cs typeface="Tahoma" panose="020B0604030504040204" pitchFamily="34" charset="0"/>
                           </a:rPr>
                         </m:ctrlPr>
@@ -18412,7 +18277,7 @@
                             <a:solidFill>
                               <a:srgbClr val="000000"/>
                             </a:solidFill>
-                            <a:latin typeface="Cambria Math"/>
+                            <a:latin typeface="Cambria Math" panose="02040503050406030204" pitchFamily="18" charset="0"/>
                             <a:cs typeface="Tahoma" panose="020B0604030504040204" pitchFamily="34" charset="0"/>
                           </a:rPr>
                         </m:ctrlPr>
@@ -18425,7 +18290,7 @@
                                 <a:solidFill>
                                   <a:srgbClr val="000000"/>
                                 </a:solidFill>
-                                <a:latin typeface="Cambria Math"/>
+                                <a:latin typeface="Cambria Math" panose="02040503050406030204" pitchFamily="18" charset="0"/>
                                 <a:cs typeface="Tahoma" panose="020B0604030504040204" pitchFamily="34" charset="0"/>
                               </a:rPr>
                             </m:ctrlPr>
@@ -18474,7 +18339,7 @@
                             <a:solidFill>
                               <a:srgbClr val="000000"/>
                             </a:solidFill>
-                            <a:latin typeface="Cambria Math"/>
+                            <a:latin typeface="Cambria Math" panose="02040503050406030204" pitchFamily="18" charset="0"/>
                             <a:cs typeface="Tahoma" panose="020B0604030504040204" pitchFamily="34" charset="0"/>
                           </a:rPr>
                         </m:ctrlPr>
@@ -18521,7 +18386,7 @@
                             <a:solidFill>
                               <a:srgbClr val="000000"/>
                             </a:solidFill>
-                            <a:latin typeface="Cambria Math"/>
+                            <a:latin typeface="Cambria Math" panose="02040503050406030204" pitchFamily="18" charset="0"/>
                             <a:cs typeface="Tahoma" panose="020B0604030504040204" pitchFamily="34" charset="0"/>
                           </a:rPr>
                         </m:ctrlPr>
@@ -18614,7 +18479,7 @@
                             <a:solidFill>
                               <a:srgbClr val="000000"/>
                             </a:solidFill>
-                            <a:latin typeface="Cambria Math"/>
+                            <a:latin typeface="Cambria Math" panose="02040503050406030204" pitchFamily="18" charset="0"/>
                             <a:cs typeface="Tahoma" panose="020B0604030504040204" pitchFamily="34" charset="0"/>
                           </a:rPr>
                         </m:ctrlPr>
@@ -18705,7 +18570,7 @@
                             <a:solidFill>
                               <a:srgbClr val="000000"/>
                             </a:solidFill>
-                            <a:latin typeface="Cambria Math"/>
+                            <a:latin typeface="Cambria Math" panose="02040503050406030204" pitchFamily="18" charset="0"/>
                             <a:cs typeface="Tahoma" panose="020B0604030504040204" pitchFamily="34" charset="0"/>
                           </a:rPr>
                         </m:ctrlPr>
@@ -18753,7 +18618,7 @@
                                 <a:solidFill>
                                   <a:srgbClr val="000000"/>
                                 </a:solidFill>
-                                <a:latin typeface="Cambria Math"/>
+                                <a:latin typeface="Cambria Math" panose="02040503050406030204" pitchFamily="18" charset="0"/>
                                 <a:cs typeface="Tahoma" panose="020B0604030504040204" pitchFamily="34" charset="0"/>
                               </a:rPr>
                             </m:ctrlPr>
@@ -18800,7 +18665,7 @@
                                 <a:solidFill>
                                   <a:srgbClr val="000000"/>
                                 </a:solidFill>
-                                <a:latin typeface="Cambria Math"/>
+                                <a:latin typeface="Cambria Math" panose="02040503050406030204" pitchFamily="18" charset="0"/>
                                 <a:cs typeface="Tahoma" panose="020B0604030504040204" pitchFamily="34" charset="0"/>
                               </a:rPr>
                             </m:ctrlPr>
@@ -18884,7 +18749,7 @@
                             <a:solidFill>
                               <a:srgbClr val="000000"/>
                             </a:solidFill>
-                            <a:latin typeface="Cambria Math"/>
+                            <a:latin typeface="Cambria Math" panose="02040503050406030204" pitchFamily="18" charset="0"/>
                             <a:cs typeface="Tahoma" panose="020B0604030504040204" pitchFamily="34" charset="0"/>
                           </a:rPr>
                         </m:ctrlPr>
@@ -18932,7 +18797,7 @@
                                 <a:solidFill>
                                   <a:srgbClr val="000000"/>
                                 </a:solidFill>
-                                <a:latin typeface="Cambria Math"/>
+                                <a:latin typeface="Cambria Math" panose="02040503050406030204" pitchFamily="18" charset="0"/>
                                 <a:cs typeface="Tahoma" panose="020B0604030504040204" pitchFamily="34" charset="0"/>
                               </a:rPr>
                             </m:ctrlPr>
@@ -18979,7 +18844,7 @@
                                 <a:solidFill>
                                   <a:srgbClr val="000000"/>
                                 </a:solidFill>
-                                <a:latin typeface="Cambria Math"/>
+                                <a:latin typeface="Cambria Math" panose="02040503050406030204" pitchFamily="18" charset="0"/>
                                 <a:cs typeface="Tahoma" panose="020B0604030504040204" pitchFamily="34" charset="0"/>
                               </a:rPr>
                             </m:ctrlPr>
@@ -19051,7 +18916,7 @@
                             <a:solidFill>
                               <a:srgbClr val="000000"/>
                             </a:solidFill>
-                            <a:latin typeface="Cambria Math"/>
+                            <a:latin typeface="Cambria Math" panose="02040503050406030204" pitchFamily="18" charset="0"/>
                             <a:cs typeface="Tahoma" panose="020B0604030504040204" pitchFamily="34" charset="0"/>
                           </a:rPr>
                         </m:ctrlPr>
@@ -19099,7 +18964,7 @@
                                 <a:solidFill>
                                   <a:srgbClr val="000000"/>
                                 </a:solidFill>
-                                <a:latin typeface="Cambria Math"/>
+                                <a:latin typeface="Cambria Math" panose="02040503050406030204" pitchFamily="18" charset="0"/>
                                 <a:ea typeface="Cambria Math" panose="02040503050406030204" pitchFamily="18" charset="0"/>
                                 <a:cs typeface="Tahoma" panose="020B0604030504040204" pitchFamily="34" charset="0"/>
                               </a:rPr>
@@ -19113,7 +18978,7 @@
                                     <a:solidFill>
                                       <a:srgbClr val="000000"/>
                                     </a:solidFill>
-                                    <a:latin typeface="Cambria Math"/>
+                                    <a:latin typeface="Cambria Math" panose="02040503050406030204" pitchFamily="18" charset="0"/>
                                     <a:cs typeface="Tahoma" panose="020B0604030504040204" pitchFamily="34" charset="0"/>
                                   </a:rPr>
                                 </m:ctrlPr>
@@ -19126,7 +18991,7 @@
                                         <a:solidFill>
                                           <a:srgbClr val="000000"/>
                                         </a:solidFill>
-                                        <a:latin typeface="Cambria Math"/>
+                                        <a:latin typeface="Cambria Math" panose="02040503050406030204" pitchFamily="18" charset="0"/>
                                         <a:cs typeface="Tahoma" panose="020B0604030504040204" pitchFamily="34" charset="0"/>
                                       </a:rPr>
                                     </m:ctrlPr>
@@ -19211,7 +19076,7 @@
                                     <a:solidFill>
                                       <a:srgbClr val="000000"/>
                                     </a:solidFill>
-                                    <a:latin typeface="Cambria Math"/>
+                                    <a:latin typeface="Cambria Math" panose="02040503050406030204" pitchFamily="18" charset="0"/>
                                     <a:cs typeface="Tahoma" panose="020B0604030504040204" pitchFamily="34" charset="0"/>
                                   </a:rPr>
                                 </m:ctrlPr>
@@ -19291,7 +19156,7 @@
                             <a:solidFill>
                               <a:srgbClr val="000000"/>
                             </a:solidFill>
-                            <a:latin typeface="Cambria Math"/>
+                            <a:latin typeface="Cambria Math" panose="02040503050406030204" pitchFamily="18" charset="0"/>
                             <a:cs typeface="Tahoma" panose="020B0604030504040204" pitchFamily="34" charset="0"/>
                           </a:rPr>
                         </m:ctrlPr>
@@ -19326,7 +19191,7 @@
                             <a:solidFill>
                               <a:srgbClr val="000000"/>
                             </a:solidFill>
-                            <a:latin typeface="Cambria Math"/>
+                            <a:latin typeface="Cambria Math" panose="02040503050406030204" pitchFamily="18" charset="0"/>
                             <a:cs typeface="Tahoma" panose="020B0604030504040204" pitchFamily="34" charset="0"/>
                           </a:rPr>
                         </m:ctrlPr>
@@ -19354,7 +19219,7 @@
                                 <a:solidFill>
                                   <a:srgbClr val="000000"/>
                                 </a:solidFill>
-                                <a:latin typeface="Cambria Math"/>
+                                <a:latin typeface="Cambria Math" panose="02040503050406030204" pitchFamily="18" charset="0"/>
                                 <a:cs typeface="Tahoma" panose="020B0604030504040204" pitchFamily="34" charset="0"/>
                               </a:rPr>
                             </m:ctrlPr>
@@ -19391,7 +19256,7 @@
                             <a:solidFill>
                               <a:srgbClr val="000000"/>
                             </a:solidFill>
-                            <a:latin typeface="Cambria Math"/>
+                            <a:latin typeface="Cambria Math" panose="02040503050406030204" pitchFamily="18" charset="0"/>
                             <a:cs typeface="Tahoma" panose="020B0604030504040204" pitchFamily="34" charset="0"/>
                           </a:rPr>
                         </m:ctrlPr>
@@ -19428,7 +19293,7 @@
                             <a:solidFill>
                               <a:srgbClr val="000000"/>
                             </a:solidFill>
-                            <a:latin typeface="Cambria Math"/>
+                            <a:latin typeface="Cambria Math" panose="02040503050406030204" pitchFamily="18" charset="0"/>
                             <a:cs typeface="Tahoma" panose="020B0604030504040204" pitchFamily="34" charset="0"/>
                           </a:rPr>
                         </m:ctrlPr>
@@ -19463,7 +19328,7 @@
                             <a:solidFill>
                               <a:srgbClr val="000000"/>
                             </a:solidFill>
-                            <a:latin typeface="Cambria Math"/>
+                            <a:latin typeface="Cambria Math" panose="02040503050406030204" pitchFamily="18" charset="0"/>
                             <a:cs typeface="Tahoma" panose="020B0604030504040204" pitchFamily="34" charset="0"/>
                           </a:rPr>
                         </m:ctrlPr>
@@ -20751,7 +20616,7 @@
   <a:extraClrSchemeLst/>
   <a:extLst>
     <a:ext uri="{05A4C25C-085E-4340-85A3-A5531E510DB2}">
-      <thm15:themeFamily xmlns:thm15="http://schemas.microsoft.com/office/thememl/2012/main" xmlns="" name="Office Theme" id="{62F939B6-93AF-4DB8-9C6B-D6C7DFDC589F}" vid="{4A3C46E8-61CC-4603-A589-7422A47A8E4A}"/>
+      <thm15:themeFamily xmlns:thm15="http://schemas.microsoft.com/office/thememl/2012/main" name="Office Theme" id="{62F939B6-93AF-4DB8-9C6B-D6C7DFDC589F}" vid="{4A3C46E8-61CC-4603-A589-7422A47A8E4A}"/>
     </a:ext>
   </a:extLst>
 </a:theme>
